--- a/In Demand Skills/Presentations/DataAnalystPresentation.pptx
+++ b/In Demand Skills/Presentations/DataAnalystPresentation.pptx
@@ -5155,7 +5155,7 @@
         </p:spPr>
         <p:txBody>
           <a:bodyPr>
-            <a:normAutofit fontScale="92500" lnSpcReduction="10000"/>
+            <a:normAutofit/>
           </a:bodyPr>
           <a:lstStyle/>
           <a:p>
@@ -5178,28 +5178,6 @@
                 <a:hlinkClick r:id="rId3"/>
               </a:rPr>
               <a:t>https://github.com/KodeXL/Cognos-Dashboard/blob/main/DataAnalystPresentation.pdf</a:t>
-            </a:r>
-            <a:endParaRPr lang="en-US" sz="2200" dirty="0"/>
-          </a:p>
-          <a:p>
-            <a:pPr marL="0" indent="0">
-              <a:buNone/>
-            </a:pPr>
-            <a:endParaRPr lang="en-US" sz="2200" dirty="0"/>
-          </a:p>
-          <a:p>
-            <a:pPr marL="0" indent="0">
-              <a:buNone/>
-            </a:pPr>
-            <a:r>
-              <a:rPr lang="en-US" sz="2200" dirty="0"/>
-              <a:t>Cognos link to Dashboard - </a:t>
-            </a:r>
-            <a:r>
-              <a:rPr lang="en-US" sz="2200" dirty="0">
-                <a:hlinkClick r:id="rId4"/>
-              </a:rPr>
-              <a:t>https://us3.ca.analytics.ibm.com/bi/?perspective=dashboard&amp;pathRef=.my_folders%2FNew%2Bdashboard&amp;action=view&amp;mode=dashboard&amp;subView=model000001913c1c3a1e_00000000</a:t>
             </a:r>
             <a:endParaRPr lang="en-US" sz="2200" dirty="0"/>
           </a:p>
@@ -5226,7 +5204,7 @@
           <p:nvPr/>
         </p:nvPicPr>
         <p:blipFill>
-          <a:blip r:embed="rId5"/>
+          <a:blip r:embed="rId4"/>
           <a:stretch>
             <a:fillRect/>
           </a:stretch>
